--- a/SpMVC27_SecureV5/spring-security email 인증 가입/ppt.pptx
+++ b/SpMVC27_SecureV5/spring-security email 인증 가입/ppt.pptx
@@ -3321,7 +3321,7 @@
           <a:p>
             <a:fld id="{828BE54B-ACE8-4F16-8838-E35682482679}" type="datetimeFigureOut">
               <a:rPr lang="ko-KR" altLang="en-US" smtClean="0"/>
-              <a:t>2020-04-22</a:t>
+              <a:t>2020-04-23</a:t>
             </a:fld>
             <a:endParaRPr lang="ko-KR" altLang="en-US"/>
           </a:p>
@@ -3513,7 +3513,7 @@
           <a:p>
             <a:fld id="{828BE54B-ACE8-4F16-8838-E35682482679}" type="datetimeFigureOut">
               <a:rPr lang="ko-KR" altLang="en-US" smtClean="0"/>
-              <a:t>2020-04-22</a:t>
+              <a:t>2020-04-23</a:t>
             </a:fld>
             <a:endParaRPr lang="ko-KR" altLang="en-US"/>
           </a:p>
@@ -3734,7 +3734,7 @@
           <a:p>
             <a:fld id="{828BE54B-ACE8-4F16-8838-E35682482679}" type="datetimeFigureOut">
               <a:rPr lang="ko-KR" altLang="en-US" smtClean="0"/>
-              <a:t>2020-04-22</a:t>
+              <a:t>2020-04-23</a:t>
             </a:fld>
             <a:endParaRPr lang="ko-KR" altLang="en-US"/>
           </a:p>
@@ -3993,7 +3993,7 @@
           <a:p>
             <a:fld id="{828BE54B-ACE8-4F16-8838-E35682482679}" type="datetimeFigureOut">
               <a:rPr lang="ko-KR" altLang="en-US" smtClean="0"/>
-              <a:t>2020-04-22</a:t>
+              <a:t>2020-04-23</a:t>
             </a:fld>
             <a:endParaRPr lang="ko-KR" altLang="en-US"/>
           </a:p>
@@ -4124,7 +4124,7 @@
           <a:p>
             <a:fld id="{828BE54B-ACE8-4F16-8838-E35682482679}" type="datetimeFigureOut">
               <a:rPr lang="ko-KR" altLang="en-US" smtClean="0"/>
-              <a:t>2020-04-22</a:t>
+              <a:t>2020-04-23</a:t>
             </a:fld>
             <a:endParaRPr lang="ko-KR" altLang="en-US"/>
           </a:p>
@@ -4958,7 +4958,7 @@
           <a:p>
             <a:fld id="{828BE54B-ACE8-4F16-8838-E35682482679}" type="datetimeFigureOut">
               <a:rPr lang="ko-KR" altLang="en-US" smtClean="0"/>
-              <a:t>2020-04-22</a:t>
+              <a:t>2020-04-23</a:t>
             </a:fld>
             <a:endParaRPr lang="ko-KR" altLang="en-US" dirty="0"/>
           </a:p>
@@ -8976,7 +8976,7 @@
         <p:spPr>
           <a:xfrm>
             <a:off x="23814" y="611560"/>
-            <a:ext cx="2236510" cy="584775"/>
+            <a:ext cx="1159292" cy="584775"/>
           </a:xfrm>
           <a:prstGeom prst="rect">
             <a:avLst/>
@@ -8990,8 +8990,8 @@
           <a:lstStyle/>
           <a:p>
             <a:r>
-              <a:rPr lang="ko-KR" altLang="en-US" sz="3200" i="1" u="sng" dirty="0" smtClean="0"/>
-              <a:t>다이어그램</a:t>
+              <a:rPr lang="en-US" altLang="ko-KR" sz="3200" i="1" u="sng" dirty="0" smtClean="0"/>
+              <a:t>UML?</a:t>
             </a:r>
             <a:endParaRPr lang="ko-KR" altLang="en-US" sz="3200" i="1" u="sng" dirty="0"/>
           </a:p>
@@ -9027,6 +9027,36 @@
           </a:prstGeom>
         </p:spPr>
       </p:pic>
+      <p:sp>
+        <p:nvSpPr>
+          <p:cNvPr id="2" name="TextBox 1"/>
+          <p:cNvSpPr txBox="1"/>
+          <p:nvPr/>
+        </p:nvSpPr>
+        <p:spPr>
+          <a:xfrm>
+            <a:off x="5085184" y="903947"/>
+            <a:ext cx="1627369" cy="369332"/>
+          </a:xfrm>
+          <a:prstGeom prst="rect">
+            <a:avLst/>
+          </a:prstGeom>
+          <a:noFill/>
+        </p:spPr>
+        <p:txBody>
+          <a:bodyPr wrap="none" rtlCol="0">
+            <a:spAutoFit/>
+          </a:bodyPr>
+          <a:lstStyle/>
+          <a:p>
+            <a:r>
+              <a:rPr lang="ko-KR" altLang="en-US" i="1" u="sng" dirty="0" smtClean="0"/>
+              <a:t>전체적인 흐름</a:t>
+            </a:r>
+            <a:endParaRPr lang="ko-KR" altLang="en-US" i="1" u="sng" dirty="0"/>
+          </a:p>
+        </p:txBody>
+      </p:sp>
     </p:spTree>
     <p:extLst>
       <p:ext uri="{BB962C8B-B14F-4D97-AF65-F5344CB8AC3E}">
